--- a/training/powerpoints/splitme.pptx
+++ b/training/powerpoints/splitme.pptx
@@ -251,7 +251,7 @@
           <a:p>
             <a:fld id="{54C52192-B826-4AE0-9CD6-BEA9467D12B3}" type="datetimeFigureOut">
               <a:rPr lang="nb-NO" smtClean="0"/>
-              <a:t>06.10.2021</a:t>
+              <a:t>07.10.2021</a:t>
             </a:fld>
             <a:endParaRPr lang="nb-NO"/>
           </a:p>
@@ -417,7 +417,7 @@
           <a:p>
             <a:fld id="{2696BCB2-2760-41B1-A1BE-7886EF110FCB}" type="datetimeFigureOut">
               <a:rPr lang="nb-NO" smtClean="0"/>
-              <a:t>06.10.2021</a:t>
+              <a:t>07.10.2021</a:t>
             </a:fld>
             <a:endParaRPr lang="nb-NO"/>
           </a:p>
@@ -25054,7 +25054,7 @@
         <p:spPr>
           <a:xfrm>
             <a:off x="1097194" y="1679077"/>
-            <a:ext cx="8338614" cy="707886"/>
+            <a:ext cx="8338614" cy="461665"/>
           </a:xfrm>
           <a:prstGeom prst="rect">
             <a:avLst/>
@@ -25075,20 +25075,20 @@
               <a:buChar char="o"/>
             </a:pPr>
             <a:r>
-              <a:rPr lang="en-US" sz="4000" dirty="0">
+              <a:rPr lang="en-US" sz="2400" dirty="0">
                 <a:latin typeface="Museo sans" panose="02000000000000000000"/>
                 <a:cs typeface="Calibri"/>
               </a:rPr>
               <a:t>Point </a:t>
             </a:r>
             <a:r>
-              <a:rPr lang="en-US" sz="4000">
+              <a:rPr lang="en-US" sz="2400">
                 <a:latin typeface="Museo sans" panose="02000000000000000000"/>
                 <a:cs typeface="Calibri"/>
               </a:rPr>
               <a:t>to point</a:t>
             </a:r>
-            <a:endParaRPr lang="en-US" sz="4000" dirty="0">
+            <a:endParaRPr lang="en-US" sz="2400" dirty="0">
               <a:latin typeface="Museo sans" panose="02000000000000000000"/>
               <a:cs typeface="Calibri"/>
             </a:endParaRPr>
@@ -27387,15 +27387,6 @@
 </file>
 
 <file path=customXml/item2.xml><?xml version="1.0" encoding="utf-8"?>
-<?mso-contentType ?>
-<FormTemplates xmlns="http://schemas.microsoft.com/sharepoint/v3/contenttype/forms">
-  <Display>DocumentLibraryForm</Display>
-  <Edit>DocumentLibraryForm</Edit>
-  <New>DocumentLibraryForm</New>
-</FormTemplates>
-</file>
-
-<file path=customXml/item3.xml><?xml version="1.0" encoding="utf-8"?>
 <ct:contentTypeSchema xmlns:ct="http://schemas.microsoft.com/office/2006/metadata/contentType" xmlns:ma="http://schemas.microsoft.com/office/2006/metadata/properties/metaAttributes" ct:_="" ma:_="" ma:contentTypeName="Dokument" ma:contentTypeID="0x0101003C4E0E898F6F9C4387272FFFDB0AF2C1" ma:contentTypeVersion="8" ma:contentTypeDescription="Opprett et nytt dokument." ma:contentTypeScope="" ma:versionID="ff062c7761efb89aabc7cfb64ef5260b">
   <xsd:schema xmlns:xsd="http://www.w3.org/2001/XMLSchema" xmlns:xs="http://www.w3.org/2001/XMLSchema" xmlns:p="http://schemas.microsoft.com/office/2006/metadata/properties" xmlns:ns2="9380ff4a-5cef-46e4-8540-1e76b55a094d" targetNamespace="http://schemas.microsoft.com/office/2006/metadata/properties" ma:root="true" ma:fieldsID="247cd4d60ae1ddf1ee969b2be6b5aec0" ns2:_="">
     <xsd:import namespace="9380ff4a-5cef-46e4-8540-1e76b55a094d"/>
@@ -27567,6 +27558,15 @@
 </ct:contentTypeSchema>
 </file>
 
+<file path=customXml/item3.xml><?xml version="1.0" encoding="utf-8"?>
+<?mso-contentType ?>
+<FormTemplates xmlns="http://schemas.microsoft.com/sharepoint/v3/contenttype/forms">
+  <Display>DocumentLibraryForm</Display>
+  <Edit>DocumentLibraryForm</Edit>
+  <New>DocumentLibraryForm</New>
+</FormTemplates>
+</file>
+
 <file path=customXml/itemProps1.xml><?xml version="1.0" encoding="utf-8"?>
 <ds:datastoreItem xmlns:ds="http://schemas.openxmlformats.org/officeDocument/2006/customXml" ds:itemID="{013B90BC-E2F6-4CED-AABA-9D0A3FB55054}">
   <ds:schemaRefs>
@@ -27584,14 +27584,6 @@
 </file>
 
 <file path=customXml/itemProps2.xml><?xml version="1.0" encoding="utf-8"?>
-<ds:datastoreItem xmlns:ds="http://schemas.openxmlformats.org/officeDocument/2006/customXml" ds:itemID="{5B4D2ED0-4D13-4C8A-8428-854BBC208AF9}">
-  <ds:schemaRefs>
-    <ds:schemaRef ds:uri="http://schemas.microsoft.com/sharepoint/v3/contenttype/forms"/>
-  </ds:schemaRefs>
-</ds:datastoreItem>
-</file>
-
-<file path=customXml/itemProps3.xml><?xml version="1.0" encoding="utf-8"?>
 <ds:datastoreItem xmlns:ds="http://schemas.openxmlformats.org/officeDocument/2006/customXml" ds:itemID="{EC4F181B-882A-4BA5-B222-EE597D3748DD}">
   <ds:schemaRefs>
     <ds:schemaRef ds:uri="http://schemas.microsoft.com/office/2006/metadata/contentType"/>
@@ -27607,4 +27599,12 @@
     <ds:schemaRef ds:uri="http://schemas.microsoft.com/internal/obd"/>
   </ds:schemaRefs>
 </ds:datastoreItem>
+</file>
+
+<file path=customXml/itemProps3.xml><?xml version="1.0" encoding="utf-8"?>
+<ds:datastoreItem xmlns:ds="http://schemas.openxmlformats.org/officeDocument/2006/customXml" ds:itemID="{5B4D2ED0-4D13-4C8A-8428-854BBC208AF9}">
+  <ds:schemaRefs>
+    <ds:schemaRef ds:uri="http://schemas.microsoft.com/sharepoint/v3/contenttype/forms"/>
+  </ds:schemaRefs>
+</ds:datastoreItem>
 </file>
--- a/training/powerpoints/splitme.pptx
+++ b/training/powerpoints/splitme.pptx
@@ -251,7 +251,7 @@
           <a:p>
             <a:fld id="{54C52192-B826-4AE0-9CD6-BEA9467D12B3}" type="datetimeFigureOut">
               <a:rPr lang="nb-NO" smtClean="0"/>
-              <a:t>07.10.2021</a:t>
+              <a:t>08.10.2021</a:t>
             </a:fld>
             <a:endParaRPr lang="nb-NO"/>
           </a:p>
@@ -417,7 +417,7 @@
           <a:p>
             <a:fld id="{2696BCB2-2760-41B1-A1BE-7886EF110FCB}" type="datetimeFigureOut">
               <a:rPr lang="nb-NO" smtClean="0"/>
-              <a:t>07.10.2021</a:t>
+              <a:t>08.10.2021</a:t>
             </a:fld>
             <a:endParaRPr lang="nb-NO"/>
           </a:p>
@@ -25095,6 +25095,45 @@
           </a:p>
         </p:txBody>
       </p:sp>
+      <p:pic>
+        <p:nvPicPr>
+          <p:cNvPr id="5" name="Graphic 4" descr="Network">
+            <a:extLst>
+              <a:ext uri="{FF2B5EF4-FFF2-40B4-BE49-F238E27FC236}">
+                <a16:creationId xmlns:a16="http://schemas.microsoft.com/office/drawing/2014/main" id="{76EA6E7E-A5F0-6C4A-A2F1-EF93F588E77B}"/>
+              </a:ext>
+            </a:extLst>
+          </p:cNvPr>
+          <p:cNvPicPr>
+            <a:picLocks noChangeAspect="1"/>
+          </p:cNvPicPr>
+          <p:nvPr/>
+        </p:nvPicPr>
+        <p:blipFill>
+          <a:blip r:embed="rId3">
+            <a:extLst>
+              <a:ext uri="{28A0092B-C50C-407E-A947-70E740481C1C}">
+                <a14:useLocalDpi xmlns:a14="http://schemas.microsoft.com/office/drawing/2010/main" val="0"/>
+              </a:ext>
+              <a:ext uri="{96DAC541-7B7A-43D3-8B79-37D633B846F1}">
+                <asvg:svgBlip xmlns:asvg="http://schemas.microsoft.com/office/drawing/2016/SVG/main" r:embed="rId4"/>
+              </a:ext>
+            </a:extLst>
+          </a:blip>
+          <a:stretch>
+            <a:fillRect/>
+          </a:stretch>
+        </p:blipFill>
+        <p:spPr>
+          <a:xfrm>
+            <a:off x="10862783" y="620688"/>
+            <a:ext cx="761834" cy="761834"/>
+          </a:xfrm>
+          <a:prstGeom prst="rect">
+            <a:avLst/>
+          </a:prstGeom>
+        </p:spPr>
+      </p:pic>
     </p:spTree>
   </p:cSld>
   <p:clrMapOvr>
@@ -27381,9 +27420,12 @@
 </file>
 
 <file path=customXml/item1.xml><?xml version="1.0" encoding="utf-8"?>
-<p:properties xmlns:p="http://schemas.microsoft.com/office/2006/metadata/properties" xmlns:xsi="http://www.w3.org/2001/XMLSchema-instance" xmlns:pc="http://schemas.microsoft.com/office/infopath/2007/PartnerControls">
-  <documentManagement/>
-</p:properties>
+<?mso-contentType ?>
+<FormTemplates xmlns="http://schemas.microsoft.com/sharepoint/v3/contenttype/forms">
+  <Display>DocumentLibraryForm</Display>
+  <Edit>DocumentLibraryForm</Edit>
+  <New>DocumentLibraryForm</New>
+</FormTemplates>
 </file>
 
 <file path=customXml/item2.xml><?xml version="1.0" encoding="utf-8"?>
@@ -27559,26 +27601,15 @@
 </file>
 
 <file path=customXml/item3.xml><?xml version="1.0" encoding="utf-8"?>
-<?mso-contentType ?>
-<FormTemplates xmlns="http://schemas.microsoft.com/sharepoint/v3/contenttype/forms">
-  <Display>DocumentLibraryForm</Display>
-  <Edit>DocumentLibraryForm</Edit>
-  <New>DocumentLibraryForm</New>
-</FormTemplates>
+<p:properties xmlns:p="http://schemas.microsoft.com/office/2006/metadata/properties" xmlns:xsi="http://www.w3.org/2001/XMLSchema-instance" xmlns:pc="http://schemas.microsoft.com/office/infopath/2007/PartnerControls">
+  <documentManagement/>
+</p:properties>
 </file>
 
 <file path=customXml/itemProps1.xml><?xml version="1.0" encoding="utf-8"?>
-<ds:datastoreItem xmlns:ds="http://schemas.openxmlformats.org/officeDocument/2006/customXml" ds:itemID="{013B90BC-E2F6-4CED-AABA-9D0A3FB55054}">
+<ds:datastoreItem xmlns:ds="http://schemas.openxmlformats.org/officeDocument/2006/customXml" ds:itemID="{5B4D2ED0-4D13-4C8A-8428-854BBC208AF9}">
   <ds:schemaRefs>
-    <ds:schemaRef ds:uri="http://schemas.microsoft.com/office/2006/documentManagement/types"/>
-    <ds:schemaRef ds:uri="http://www.w3.org/XML/1998/namespace"/>
-    <ds:schemaRef ds:uri="http://schemas.microsoft.com/office/2006/metadata/properties"/>
-    <ds:schemaRef ds:uri="http://schemas.openxmlformats.org/package/2006/metadata/core-properties"/>
-    <ds:schemaRef ds:uri="http://purl.org/dc/dcmitype/"/>
-    <ds:schemaRef ds:uri="http://purl.org/dc/elements/1.1/"/>
-    <ds:schemaRef ds:uri="http://schemas.microsoft.com/office/infopath/2007/PartnerControls"/>
-    <ds:schemaRef ds:uri="9380ff4a-5cef-46e4-8540-1e76b55a094d"/>
-    <ds:schemaRef ds:uri="http://purl.org/dc/terms/"/>
+    <ds:schemaRef ds:uri="http://schemas.microsoft.com/sharepoint/v3/contenttype/forms"/>
   </ds:schemaRefs>
 </ds:datastoreItem>
 </file>
@@ -27602,9 +27633,17 @@
 </file>
 
 <file path=customXml/itemProps3.xml><?xml version="1.0" encoding="utf-8"?>
-<ds:datastoreItem xmlns:ds="http://schemas.openxmlformats.org/officeDocument/2006/customXml" ds:itemID="{5B4D2ED0-4D13-4C8A-8428-854BBC208AF9}">
+<ds:datastoreItem xmlns:ds="http://schemas.openxmlformats.org/officeDocument/2006/customXml" ds:itemID="{013B90BC-E2F6-4CED-AABA-9D0A3FB55054}">
   <ds:schemaRefs>
-    <ds:schemaRef ds:uri="http://schemas.microsoft.com/sharepoint/v3/contenttype/forms"/>
+    <ds:schemaRef ds:uri="http://schemas.microsoft.com/office/2006/documentManagement/types"/>
+    <ds:schemaRef ds:uri="http://www.w3.org/XML/1998/namespace"/>
+    <ds:schemaRef ds:uri="http://schemas.microsoft.com/office/2006/metadata/properties"/>
+    <ds:schemaRef ds:uri="http://schemas.openxmlformats.org/package/2006/metadata/core-properties"/>
+    <ds:schemaRef ds:uri="http://purl.org/dc/dcmitype/"/>
+    <ds:schemaRef ds:uri="http://purl.org/dc/elements/1.1/"/>
+    <ds:schemaRef ds:uri="http://schemas.microsoft.com/office/infopath/2007/PartnerControls"/>
+    <ds:schemaRef ds:uri="9380ff4a-5cef-46e4-8540-1e76b55a094d"/>
+    <ds:schemaRef ds:uri="http://purl.org/dc/terms/"/>
   </ds:schemaRefs>
 </ds:datastoreItem>
 </file>